--- a/4. UI/Day 31/Slides/3. Advanced Javascript/advanced-javascript-slides.pptx
+++ b/4. UI/Day 31/Slides/3. Advanced Javascript/advanced-javascript-slides.pptx
@@ -4026,22 +4026,6 @@
           </a:p>
         </p:txBody>
       </p:sp>
-      <p:sp>
-        <p:nvSpPr>
-          <p:cNvPr id="10" name="Title 9"/>
-          <p:cNvSpPr/>
-          <p:nvPr>
-            <p:ph type="title"/>
-          </p:nvPr>
-        </p:nvSpPr>
-        <p:spPr/>
-        <p:txBody>
-          <a:bodyPr/>
-          <a:p>
-            <a:endParaRPr lang="en-US"/>
-          </a:p>
-        </p:txBody>
-      </p:sp>
     </p:spTree>
   </p:cSld>
   <p:clrMapOvr>
@@ -6607,22 +6591,6 @@
               <a:rPr/>
             </a:fld>
             <a:endParaRPr/>
-          </a:p>
-        </p:txBody>
-      </p:sp>
-      <p:sp>
-        <p:nvSpPr>
-          <p:cNvPr id="10" name="Title 9"/>
-          <p:cNvSpPr/>
-          <p:nvPr>
-            <p:ph type="title"/>
-          </p:nvPr>
-        </p:nvSpPr>
-        <p:spPr/>
-        <p:txBody>
-          <a:bodyPr/>
-          <a:p>
-            <a:endParaRPr lang="en-US"/>
           </a:p>
         </p:txBody>
       </p:sp>
